--- a/proposal/midterm_presentation.pptx
+++ b/proposal/midterm_presentation.pptx
@@ -4712,8 +4712,8 @@
           </a:prstGeom>
         </p:spPr>
       </p:pic>
-      <mc:AlternateContent xmlns:mc="http://schemas.openxmlformats.org/markup-compatibility/2006">
-        <mc:Choice xmlns:a14="http://schemas.microsoft.com/office/drawing/2010/main" Requires="a14">
+      <mc:AlternateContent xmlns:mc="http://schemas.openxmlformats.org/markup-compatibility/2006" xmlns:a14="http://schemas.microsoft.com/office/drawing/2010/main">
+        <mc:Choice Requires="a14">
           <p:sp>
             <p:nvSpPr>
               <p:cNvPr id="8" name="TextBox 7">
@@ -4814,7 +4814,9 @@
                     <m:sSub>
                       <m:sSubPr>
                         <m:ctrlPr>
-                          <a:rPr lang="ar-AE"/>
+                          <a:rPr lang="ar-AE" i="1">
+                            <a:latin typeface="Cambria Math" panose="02040503050406030204" pitchFamily="18" charset="0"/>
+                          </a:rPr>
                         </m:ctrlPr>
                       </m:sSubPr>
                       <m:e>
@@ -4847,7 +4849,9 @@
                 <a14:m>
                   <m:oMath xmlns:m="http://schemas.openxmlformats.org/officeDocument/2006/math">
                     <m:r>
-                      <a:rPr lang="en-US" i="1"/>
+                      <a:rPr lang="en-US" i="1">
+                        <a:latin typeface="Cambria Math" panose="02040503050406030204" pitchFamily="18" charset="0"/>
+                      </a:rPr>
                       <m:t>𝑘</m:t>
                     </m:r>
                   </m:oMath>
@@ -4887,7 +4891,7 @@
             </p:txBody>
           </p:sp>
         </mc:Choice>
-        <mc:Fallback>
+        <mc:Fallback xmlns="">
           <p:sp>
             <p:nvSpPr>
               <p:cNvPr id="8" name="TextBox 7">
@@ -4932,6 +4936,66 @@
           </p:sp>
         </mc:Fallback>
       </mc:AlternateContent>
+      <p:pic>
+        <p:nvPicPr>
+          <p:cNvPr id="10" name="Picture 9">
+            <a:extLst>
+              <a:ext uri="{FF2B5EF4-FFF2-40B4-BE49-F238E27FC236}">
+                <a16:creationId xmlns:a16="http://schemas.microsoft.com/office/drawing/2014/main" id="{66BBC248-53B6-3547-46E9-2663B72727BB}"/>
+              </a:ext>
+            </a:extLst>
+          </p:cNvPr>
+          <p:cNvPicPr>
+            <a:picLocks noChangeAspect="1"/>
+          </p:cNvPicPr>
+          <p:nvPr/>
+        </p:nvPicPr>
+        <p:blipFill>
+          <a:blip r:embed="rId9"/>
+          <a:stretch>
+            <a:fillRect/>
+          </a:stretch>
+        </p:blipFill>
+        <p:spPr>
+          <a:xfrm>
+            <a:off x="50334" y="5118236"/>
+            <a:ext cx="2843633" cy="258512"/>
+          </a:xfrm>
+          <a:prstGeom prst="rect">
+            <a:avLst/>
+          </a:prstGeom>
+        </p:spPr>
+      </p:pic>
+      <p:pic>
+        <p:nvPicPr>
+          <p:cNvPr id="12" name="Picture 11" descr="A black text with a smiley face&#10;&#10;AI-generated content may be incorrect.">
+            <a:extLst>
+              <a:ext uri="{FF2B5EF4-FFF2-40B4-BE49-F238E27FC236}">
+                <a16:creationId xmlns:a16="http://schemas.microsoft.com/office/drawing/2014/main" id="{EEFFF019-45E3-41F3-5D5E-C6FEEA153C70}"/>
+              </a:ext>
+            </a:extLst>
+          </p:cNvPr>
+          <p:cNvPicPr>
+            <a:picLocks noChangeAspect="1"/>
+          </p:cNvPicPr>
+          <p:nvPr/>
+        </p:nvPicPr>
+        <p:blipFill>
+          <a:blip r:embed="rId10"/>
+          <a:stretch>
+            <a:fillRect/>
+          </a:stretch>
+        </p:blipFill>
+        <p:spPr>
+          <a:xfrm>
+            <a:off x="110269" y="5598448"/>
+            <a:ext cx="2082800" cy="444500"/>
+          </a:xfrm>
+          <a:prstGeom prst="rect">
+            <a:avLst/>
+          </a:prstGeom>
+        </p:spPr>
+      </p:pic>
     </p:spTree>
   </p:cSld>
   <p:clrMapOvr>
